--- a/Banking data Analysis Project.pptx
+++ b/Banking data Analysis Project.pptx
@@ -5,7 +5,7 @@
     <p:sldMasterId id="2147483726" r:id="rId1"/>
   </p:sldMasterIdLst>
   <p:notesMasterIdLst>
-    <p:notesMasterId r:id="rId18"/>
+    <p:notesMasterId r:id="rId19"/>
   </p:notesMasterIdLst>
   <p:sldIdLst>
     <p:sldId id="257" r:id="rId2"/>
@@ -24,6 +24,7 @@
     <p:sldId id="273" r:id="rId15"/>
     <p:sldId id="269" r:id="rId16"/>
     <p:sldId id="261" r:id="rId17"/>
+    <p:sldId id="274" r:id="rId18"/>
   </p:sldIdLst>
   <p:sldSz cx="12192000" cy="6858000"/>
   <p:notesSz cx="6858000" cy="9144000"/>
@@ -7736,6 +7737,76 @@
   </p:cSld>
   <p:clrMapOvr>
     <a:overrideClrMapping bg1="lt1" tx1="dk1" bg2="lt2" tx2="dk2" accent1="accent1" accent2="accent2" accent3="accent3" accent4="accent4" accent5="accent5" accent6="accent6" hlink="hlink" folHlink="folHlink"/>
+  </p:clrMapOvr>
+</p:sld>
+</file>
+
+<file path=ppt/slides/slide17.xml><?xml version="1.0" encoding="utf-8"?>
+<p:sld xmlns:a="http://schemas.openxmlformats.org/drawingml/2006/main" xmlns:r="http://schemas.openxmlformats.org/officeDocument/2006/relationships" xmlns:p="http://schemas.openxmlformats.org/presentationml/2006/main">
+  <p:cSld>
+    <p:spTree>
+      <p:nvGrpSpPr>
+        <p:cNvPr id="1" name=""/>
+        <p:cNvGrpSpPr/>
+        <p:nvPr/>
+      </p:nvGrpSpPr>
+      <p:grpSpPr>
+        <a:xfrm>
+          <a:off x="0" y="0"/>
+          <a:ext cx="0" cy="0"/>
+          <a:chOff x="0" y="0"/>
+          <a:chExt cx="0" cy="0"/>
+        </a:xfrm>
+      </p:grpSpPr>
+      <p:sp>
+        <p:nvSpPr>
+          <p:cNvPr id="2" name="TextBox 1">
+            <a:extLst>
+              <a:ext uri="{FF2B5EF4-FFF2-40B4-BE49-F238E27FC236}">
+                <a16:creationId xmlns:a16="http://schemas.microsoft.com/office/drawing/2014/main" id="{F3DBAA8F-85EF-1767-894C-553C1E38D572}"/>
+              </a:ext>
+            </a:extLst>
+          </p:cNvPr>
+          <p:cNvSpPr txBox="1"/>
+          <p:nvPr/>
+        </p:nvSpPr>
+        <p:spPr>
+          <a:xfrm>
+            <a:off x="4766734" y="3075057"/>
+            <a:ext cx="4521200" cy="707886"/>
+          </a:xfrm>
+          <a:prstGeom prst="rect">
+            <a:avLst/>
+          </a:prstGeom>
+          <a:noFill/>
+        </p:spPr>
+        <p:txBody>
+          <a:bodyPr wrap="square" rtlCol="0">
+            <a:spAutoFit/>
+          </a:bodyPr>
+          <a:lstStyle/>
+          <a:p>
+            <a:r>
+              <a:rPr lang="en-US" sz="4000" b="1" dirty="0">
+                <a:latin typeface="Algerian" panose="04020705040A02060702" pitchFamily="82" charset="0"/>
+              </a:rPr>
+              <a:t>Thank You!!</a:t>
+            </a:r>
+            <a:endParaRPr lang="en-IN" sz="4000" b="1" dirty="0">
+              <a:latin typeface="Algerian" panose="04020705040A02060702" pitchFamily="82" charset="0"/>
+            </a:endParaRPr>
+          </a:p>
+        </p:txBody>
+      </p:sp>
+    </p:spTree>
+    <p:extLst>
+      <p:ext uri="{BB962C8B-B14F-4D97-AF65-F5344CB8AC3E}">
+        <p14:creationId xmlns:p14="http://schemas.microsoft.com/office/powerpoint/2010/main" val="2173624022"/>
+      </p:ext>
+    </p:extLst>
+  </p:cSld>
+  <p:clrMapOvr>
+    <a:masterClrMapping/>
   </p:clrMapOvr>
 </p:sld>
 </file>
@@ -9778,7 +9849,7 @@
     <we:property name="pageDisplayName" value="&quot;Client Demographic&quot;"/>
     <we:property name="datasetId" value="&quot;eaae3776-ea9b-4225-9ce6-31797d2ab904&quot;"/>
     <we:property name="backgroundColor" value="&quot;#072959&quot;"/>
-    <we:property name="bookmark" value="&quot;H4sIAAAAAAAAA+1abU/bSBD+K8jSqV+iyu8vfAsh5aIWSoHjdDqharw7TlwcO2evOTiU/36za+eFkJAQCgmUD5GS2fXsMzPPzsxufKvxuBgkcHMEfdR2tb0su+xDfrljaA0trWSOY3mhhQ5aITDfYqEeWDSaDUScpYW2e6sJyLsozuOihEQqIuHfFw0NkuQYuvJXBEmBDW2AeZGlkMT/YTWZhkRe4rCh4fUgyXKQKk8FCJRqr2g6/SYIxke5IjARX+EpMlFJ7ShgZqTrhqW73A4c1EHCLqoJCtncKVK1Wr6VpQLilJaRspA7QRAGhmWghSYzAgZcyqM4EaMpN+3rQU7Wkc03A+mcFmHtZnnMINGUFTkWFehbrZUlZV99a9+Rn2ZlzvAEIzWUiljcSE1fOu2jM21IzjjOM3KVkh60j/bbJ0ray/5t5UjrESp92BhDaPIrSBlJZ9c/RCjKHFcF8Pm4s3MGYYKzGM4yAclOK4kxFXOQXJCkiNNuUgd14t+zCiDP0lK0epALSZvwB8VHepMey3KO+d6Ncuh+nI8iazZmAD+TJcOLEalozo8p2tRRrYD91DBeDOWIbfmGCb4VcEDUA90N0FxKtReK835cCOLzWpFmkPPtiPGUFdLnDU0PPU8H3dBt3dQNdHQ9sLfF5S0561W7u7agcjV4ju4yj4We7XPftXwAxe4HbYn7VCruGiN1eYZtogVR4HOkxMxty9SX6hJ4LcLs+r62MIgc0hAy3TM4abTNALaFBE3GsnK9BLs9PJgYUVHB5yF6YLieYZmRYzKOur80fEUPBnOoAEjb13NNcAKLG44BpHxbgrewODaeoVPY75yenXRa94rMSP79qHnY3mzL0Lzq7pxCAvm8vPbCOJpdfBEQ8yv/IST4fdHOfikQn7C/DTCUL2osJ7LX/23DO+akfdD5erROyhWSbe3rFbOuMZt1n2fD1znXZhCB7wCaEQ+ox+QRrp8nf48xh5z1br7gFSb3EY/H7w+NkJ5DHlcnO2XdqlY3W62vf9Qkqo+nY03aXT80z6p8NwVG26dY7kwEcrg2QfsLIV+beW/RId9KOpzhu0+mfXKYpaK3XrJ8i+7Yhw2X8g00Wo+8kllaNIDmzr0HWX4J8RYpVafh6krEjVyLc9/kIfe9wDUDw33g9q2+muSB6SP6kcnAM10XI7AdwlQT4SwbHNGvSoNUcD66UKRT0Kc86ytVtU1FGf5TInl7tlSfjgbo+7fRl4c0yS1wv3Q3tIoEiqn1zMvpmRPiT6ZeNLRTTIgTq19EjYJLMB7uFsbRjGJMaDKt9fWnnhnHSC5XuIajWGm7rmJCZbw55adlHqXn/+yhBKS8lPJY1IA6M+4qnsGRCr4K3EIVY3INh6pL28T5z/glkzUd/nYO8qwcvF9cP9l/6nTRi7u9hD5CPlyo5KTU0nocBBzCQOFQyj7S09+TamvQeMFIbYdXoe0PqIgUo0CPfn2OUxkaWSMi8TwcOBmB/xJTWaiifg5JKQP+ocnLRHyYbNM+CpBmEf5JcD7eicaFDEZVYyYQD8fP3U6R+hHZ5zFhaWgMWA+5sqIjsF+tE3OUSmIsXqX3G9qVlNeE0lXWouFxwxACFX6HOZYeoO6hZwTOE+5yH2fpdE80ZeqCc+XSPFMkMaMOZTrHEPPyrsobNf1utUG1kIonjWccR+xa5M89KGI2ZvOiPlNNX4eaD3uhihIzEQ3LNNHTw9Bmdujp3ntb92u1dYb+3te9kXv9renr1j+Es6QsKHEgr2D8Ku3dquSqT+OBD9x3/dDzHd9w0fY9VVwfvt5QQPdKIdTNwOzfdx76thOZyBzDZ67v2hCtX6+35d2W7fnrdYo9qj0KHfSRY0iR03XbZBEuf99hq09jr7RLWulcRYOm6UIYWIx7jk+bhKEDT3hBpdnt5tiFUb18yr9PCww4qErRpzKt+W2vVZk2ANR4LUCtNXZJF8rZ92hWz0ibCYbaAFI6b2NnpSgGwPAYUpyzwSlGkHLkSza5egF1vMWHw/8BUYpmXfgqAAA=&quot;"/>
+    <we:property name="bookmark" value="&quot;H4sIAAAAAAAAA+1abU/jOBD+KyjSab9UJzuvDt9K6XLoFpalPU6nE1pN7EnJEpKe43BwqP/9HCct3dLSbllol+Vbak/Hz7yPJ7mzRFIMU7g9hiu0dq29PL+8Anm5Q62WldVr6ABjlHJBaOj4XuyiI/RuPlRJnhXW7p2lQA5QnSVFCWnFSC/+bfmx7wjBbBEJFoS+HVJfWOctC9L0BAYVTQxpgS1riLLIM0iT/7BmobeULHHUsvBmmOYSqoN6ChRWh11rcv1bA6O/OhoHcJVcYw+5qlfdOOR2TAh1iC/c0EMClTBFTWDwziWpWJvjO3mmIMn0MdVaJLwwjELqUHTQ5jTkIKr1OEnVmOS2ezOUWmatidthpbKOxjrIZcIhtYwUEosa9J3VydPyyjx1v1rv5aXkeIqx2cpUom4rTh8Ou8d9a6SVcSJzrSqzetA93u+emtWL/N+ORH2eRkVGrQmEtriGjKN4cP4RQlFKXBXA7yeHO32IUpzF0M8VpDudNMFMzUFyrleKJBukjVHv9duvAYo8K1XnAqSqnCn6ou1TaVP/LZcC5d6tUeh+IseWtVszgJ9JktH52Kk0zZcpt2msWgP7rmY8H1U7rsOoDcwJBSCSkPgh2ktd7YXsvJ8USvvzWpbmIMV22HhKikrnLYtEQUCAUOISm1D0CAndbVF5p6L6odXdSFCrGgKP+DzgUeAywXyHARjvflSW5EqXiq+FqXgF1LV1WYpDJlAnZuE6NlnKS+GNivKbh9yiMPY0h4iTgArN0bVD2BYnaHOel+sl2O3xg3shaldgIsIAqB9Qx449mwskbKn5igsYznEFQB2+gW+DFzqCehQ0820x3sLi2HqGTmH/sNc/Pew8KDLj9c/H7aPuZluG9vVgpwcpyHl57YVxtAf4IiDmV/4jSPHzosh+KRDv8WobYBhdNFhOq17/lw1HzGn34PDj8TopV1Xe1r1ZMevS2az7PAHf5FyXQwzMA7RjEeoeU8S4fp78LUEJkl/cfsBrTB8inuw/3BojPQOZ1Dc7I92qUrc7nY9/NE7UXFonnKyv9dDu1/luCoy1r225c79QbTciWH8hyLU97zUq5FOpL2f4ppNpnRzlmbpYL1m+RnXsw4ZL+QYarW8cySwtGqBp585Blg8hXqNLNWm4HonMHSIurFrNwFKENkNksc0hsH0fY3A9jalxhH4+PNa/ag4Vg7PxQFHfgt7L/MqwamQqyuifErW2Z0t1b7yhnz+NHx7jVIXAw9LdsmonMJ7aUF5OU947/j3pecvqYap9YvVB1Ni4Gsbj3cLEmnGCqSbWZ338rnfGCZLLFcZw2lbWrm88oRbentLTMo3q//95gRUgo6VMJKoBdDijruIZFGngG8MtZDFxrtHIdGmbuP/RnzJZ68vfzoHMy+Hb4PrJ+qsTdQQ64Xrcc0iIJMCAht4TZmjfhnG6Fk2BXNDPL7VvkSZcV4Zp21pXKAfGXgIUGBGG9UEJ1vu5MNtoJLyzPiRa6pr3GaRlxfbdHhQJfzcO9kX13ZB/Q0JaUQu1lbiNSB3bxoBEkcvdKCDBWzn9ucopJW/19JXMU7emnq5/+eFpWejEgaKG8bOU1VWdq7kFhQwE81kUMI9RH10WmOL6+LXSAN0rlTI3stnXJgEy14tt5B5l3Ge+C/H69XpbvinYnldeU95j2qPIQ4YCI205Qlybx7j8PfNWd8E/aJe0aj9r2z5EocNF4DEdJBw9eMKHAe3BQOIAxvXyKVP/BQIc1KXofZk1/u2uVZk2AJT+KECdNaJkAOXs9wurZ6TNGMMEQLU6L7DzUhVD4HgCGc4JcG0jyASKJUFuPvybhPho9D/gcV3vhigAAA==&quot;"/>
     <we:property name="initialStateBookmark" value="&quot;H4sIAAAAAAAAA+1abW/bNhD+K4GAoV+MgaLe+81x3Cxo89LYyzAMQXEiT44WWfIoKksW+L+PpGTHdZzYdZrYTfNNPp6Oz73w7njWrcXTcpTBzREM0Xpv7RbF5RDE5Y5ttay8oR0ffzxsn378ctQ+7CpyMZJpkZfW+1tLghigPEvLCjItQRH/Om9ZkGUnMNC/EshKbFkjFGWRQ5b+hzWzWpKiwnHLwutRVgjQInsSJGqxV4pd/VZ72786akdgMr3CHjJZU90kYjQhxHaIz93IQwIab1kzGGQLWbRos32nyCWkudpG02LuRVEc2Y6NDlJmRwy4pidpJicsN93rkVDaKZ1vRtoqHYV1UIiUQWYZLQSWNehbq1Nk1dA8db+i94pKMDzFxCzlMpU3WtKng+5R3xorY5yIQpnKUPe7R3vdU0O9KP7tCFT7KVRk3JpCaPMryJmizu9/iFBWAlcF8PHkYKcPcYbzGPqFhGynk6WYywVIzhWlTPNB1jj1zr79GiAv8kp2LkBIHTbx38o/2prqtUJwFLs3xqB7qZh4lrbmAD+TJuPzSVApnr9nwqbxag3su7rxfKxXXCe0KYROxAGRRMSPkC4NtRfy815aShXPa3mageDb4eMZLbTNWxaJg4AAsYlLKLHRIyRyt8XkHc31Q5u70aA2NQQe8VnA4sANeeg7IYCJ7kd1SYeqVHytjJYV2C5FB5Io5KgSM3cdSpbKkngt4+L6vrQ4SjwlIWYksLmS6NIItiUI2owV1XoJdnvi4E6JOhRCHmMAth/YDk08yjiScKn7ygsYLQgFQHV8A5+CFznc9mxQwrfFeQ8Wx9YzdAp7B73+6UHnXpGZ0OsObaMtQ/tqsNODDMSivPbCONoDfBEQiyv/IWT45aGT/VIgPuBwG2AYWzRYTnWv/8uGT8xpd//g+GidlCt1tHWvV8y69nzWfZ4D3+Rcl0ECoQdIEx6pHpMnuH6e/C1FAYJd3HzCK8zuI56u31+aID0DkdY3O6Pdqlq3O53j35sgau6lU0nW13Zo9+t8NwPG2lO+3Lkj6OVGBetPBLF25L1Gg3yu1OUM32wya5PDIpcX6yXL12iOPdhwKd9Ao/WNI5mlRQMU78I5yPIhxGsMqSYN1yMRP/EdzkPKYx4GkU8j239k+tbMJHlEQ8QwoQwC6vuYgOspTE0g9IvRkfpVS9ACziYDRXUL+iCKoRHV6FRW8T8VKmvPl+reZEE9f548PCZJH4H7pbtl1UFgIrXhvJzlvAv8O9bzltXDTMXE6oOoiXMVjMe7hak3kxQzxaz2Ov6ud8YpkssVxnDKV9Z730RCrTydsdMyi6r3/7hADchYKeepbAAdzJmrfAZDGvjGcQ+KmAbXeGy6tE3c/+yfMlmry9/Oviiq0dvg+sn2qxN1DCrhesxzSIQkwMCOvCfM0L4N42wtmgH5QD+/1L9lljJVGWZ9aw1RDIy/OEgwKozqjVKs1wtultFoeGt9SpXWtewzyCot9t0ulCl7NznsD9V3w/4NCWlFK9ReYhTRdijFgMSxy9w4IMFbOf25yqlN3urpK5mnbk09Xf/yw7KqVIkDeQ3jZymrqwZXcwuKQuChH8ZB6IW2j24YmOL6+LXSAN2tpDQ3svm/TQIMXS+hyDw7ZH7ou5CsX6+35ZuC7fnLayZ6THsUexgix1h5jhCXsgSX/8+81V3wD9olrdrPUupDHDmMB16oDglDD57wYUB7MBA4gEm9fMrU/wEF9utS9KHKm/h216pMGwBq/yhAnTVOyQCq+e8XVs9Im3GGOQCauuhgF5UsR8DwBHJccMCVjyDnyJcccvPhn2U2UdZKm6bukRf054DTlDAe/w8ybWrVmSgAAA==&quot;"/>
     <we:property name="isFiltersActionButtonVisible" value="true"/>
     <we:property name="isVisualContainerHeaderHidden" value="false"/>
